--- a/[LFP] Proyecto 1/Manual de Usuario.pptx
+++ b/[LFP] Proyecto 1/Manual de Usuario.pptx
@@ -172,7 +172,7 @@
           <a:noFill/>
           <a:extLst>
             <a:ext uri="{909E8E84-426E-40dd-AFC4-6F175D3DCCD1}">
-              <a14:hiddenFill xmlns="" xmlns:a14="http://schemas.microsoft.com/office/drawing/2010/main">
+              <a14:hiddenFill xmlns:a14="http://schemas.microsoft.com/office/drawing/2010/main" xmlns="">
                 <a:solidFill>
                   <a:srgbClr val="FFFFFF"/>
                 </a:solidFill>
@@ -232,7 +232,7 @@
             </a:ln>
             <a:extLst>
               <a:ext uri="{91240B29-F687-4f45-9708-019B960494DF}">
-                <a14:hiddenLine xmlns="" xmlns:a14="http://schemas.microsoft.com/office/drawing/2010/main" w="9525">
+                <a14:hiddenLine xmlns:a14="http://schemas.microsoft.com/office/drawing/2010/main" xmlns="" w="9525">
                   <a:solidFill>
                     <a:srgbClr val="000000"/>
                   </a:solidFill>
@@ -322,7 +322,7 @@
             </a:ln>
             <a:extLst>
               <a:ext uri="{91240B29-F687-4f45-9708-019B960494DF}">
-                <a14:hiddenLine xmlns="" xmlns:a14="http://schemas.microsoft.com/office/drawing/2010/main" w="9525">
+                <a14:hiddenLine xmlns:a14="http://schemas.microsoft.com/office/drawing/2010/main" xmlns="" w="9525">
                   <a:solidFill>
                     <a:srgbClr val="000000"/>
                   </a:solidFill>
@@ -412,7 +412,7 @@
             </a:ln>
             <a:extLst>
               <a:ext uri="{91240B29-F687-4f45-9708-019B960494DF}">
-                <a14:hiddenLine xmlns="" xmlns:a14="http://schemas.microsoft.com/office/drawing/2010/main" w="9525">
+                <a14:hiddenLine xmlns:a14="http://schemas.microsoft.com/office/drawing/2010/main" xmlns="" w="9525">
                   <a:solidFill>
                     <a:srgbClr val="000000"/>
                   </a:solidFill>
@@ -446,7 +446,7 @@
             </a:ln>
             <a:extLst>
               <a:ext uri="{91240B29-F687-4f45-9708-019B960494DF}">
-                <a14:hiddenLine xmlns="" xmlns:a14="http://schemas.microsoft.com/office/drawing/2010/main" w="9525">
+                <a14:hiddenLine xmlns:a14="http://schemas.microsoft.com/office/drawing/2010/main" xmlns="" w="9525">
                   <a:solidFill>
                     <a:srgbClr val="000000"/>
                   </a:solidFill>
@@ -536,7 +536,7 @@
             </a:ln>
             <a:extLst>
               <a:ext uri="{91240B29-F687-4f45-9708-019B960494DF}">
-                <a14:hiddenLine xmlns="" xmlns:a14="http://schemas.microsoft.com/office/drawing/2010/main" w="9525">
+                <a14:hiddenLine xmlns:a14="http://schemas.microsoft.com/office/drawing/2010/main" xmlns="" w="9525">
                   <a:solidFill>
                     <a:srgbClr val="000000"/>
                   </a:solidFill>
@@ -598,7 +598,7 @@
             </a:ln>
             <a:extLst>
               <a:ext uri="{91240B29-F687-4f45-9708-019B960494DF}">
-                <a14:hiddenLine xmlns="" xmlns:a14="http://schemas.microsoft.com/office/drawing/2010/main" w="9525">
+                <a14:hiddenLine xmlns:a14="http://schemas.microsoft.com/office/drawing/2010/main" xmlns="" w="9525">
                   <a:solidFill>
                     <a:srgbClr val="000000"/>
                   </a:solidFill>
@@ -660,7 +660,7 @@
             </a:ln>
             <a:extLst>
               <a:ext uri="{91240B29-F687-4f45-9708-019B960494DF}">
-                <a14:hiddenLine xmlns="" xmlns:a14="http://schemas.microsoft.com/office/drawing/2010/main" w="9525">
+                <a14:hiddenLine xmlns:a14="http://schemas.microsoft.com/office/drawing/2010/main" xmlns="" w="9525">
                   <a:solidFill>
                     <a:srgbClr val="000000"/>
                   </a:solidFill>
@@ -750,7 +750,7 @@
             </a:ln>
             <a:extLst>
               <a:ext uri="{91240B29-F687-4f45-9708-019B960494DF}">
-                <a14:hiddenLine xmlns="" xmlns:a14="http://schemas.microsoft.com/office/drawing/2010/main" w="9525">
+                <a14:hiddenLine xmlns:a14="http://schemas.microsoft.com/office/drawing/2010/main" xmlns="" w="9525">
                   <a:solidFill>
                     <a:srgbClr val="000000"/>
                   </a:solidFill>
@@ -812,7 +812,7 @@
             </a:ln>
             <a:extLst>
               <a:ext uri="{91240B29-F687-4f45-9708-019B960494DF}">
-                <a14:hiddenLine xmlns="" xmlns:a14="http://schemas.microsoft.com/office/drawing/2010/main" w="9525">
+                <a14:hiddenLine xmlns:a14="http://schemas.microsoft.com/office/drawing/2010/main" xmlns="" w="9525">
                   <a:solidFill>
                     <a:srgbClr val="000000"/>
                   </a:solidFill>
@@ -874,7 +874,7 @@
             </a:ln>
             <a:extLst>
               <a:ext uri="{91240B29-F687-4f45-9708-019B960494DF}">
-                <a14:hiddenLine xmlns="" xmlns:a14="http://schemas.microsoft.com/office/drawing/2010/main" w="9525">
+                <a14:hiddenLine xmlns:a14="http://schemas.microsoft.com/office/drawing/2010/main" xmlns="" w="9525">
                   <a:solidFill>
                     <a:srgbClr val="000000"/>
                   </a:solidFill>
@@ -964,7 +964,7 @@
             </a:ln>
             <a:extLst>
               <a:ext uri="{91240B29-F687-4f45-9708-019B960494DF}">
-                <a14:hiddenLine xmlns="" xmlns:a14="http://schemas.microsoft.com/office/drawing/2010/main" w="9525">
+                <a14:hiddenLine xmlns:a14="http://schemas.microsoft.com/office/drawing/2010/main" xmlns="" w="9525">
                   <a:solidFill>
                     <a:srgbClr val="000000"/>
                   </a:solidFill>
@@ -1054,7 +1054,7 @@
             </a:ln>
             <a:extLst>
               <a:ext uri="{91240B29-F687-4f45-9708-019B960494DF}">
-                <a14:hiddenLine xmlns="" xmlns:a14="http://schemas.microsoft.com/office/drawing/2010/main" w="9525">
+                <a14:hiddenLine xmlns:a14="http://schemas.microsoft.com/office/drawing/2010/main" xmlns="" w="9525">
                   <a:solidFill>
                     <a:srgbClr val="000000"/>
                   </a:solidFill>
@@ -1116,7 +1116,7 @@
             </a:ln>
             <a:extLst>
               <a:ext uri="{91240B29-F687-4f45-9708-019B960494DF}">
-                <a14:hiddenLine xmlns="" xmlns:a14="http://schemas.microsoft.com/office/drawing/2010/main" w="9525">
+                <a14:hiddenLine xmlns:a14="http://schemas.microsoft.com/office/drawing/2010/main" xmlns="" w="9525">
                   <a:solidFill>
                     <a:srgbClr val="000000"/>
                   </a:solidFill>
@@ -1226,7 +1226,7 @@
             </a:ln>
             <a:extLst>
               <a:ext uri="{91240B29-F687-4f45-9708-019B960494DF}">
-                <a14:hiddenLine xmlns="" xmlns:a14="http://schemas.microsoft.com/office/drawing/2010/main" w="9525">
+                <a14:hiddenLine xmlns:a14="http://schemas.microsoft.com/office/drawing/2010/main" xmlns="" w="9525">
                   <a:solidFill>
                     <a:srgbClr val="000000"/>
                   </a:solidFill>
@@ -1288,7 +1288,7 @@
             </a:ln>
             <a:extLst>
               <a:ext uri="{91240B29-F687-4f45-9708-019B960494DF}">
-                <a14:hiddenLine xmlns="" xmlns:a14="http://schemas.microsoft.com/office/drawing/2010/main" w="9525">
+                <a14:hiddenLine xmlns:a14="http://schemas.microsoft.com/office/drawing/2010/main" xmlns="" w="9525">
                   <a:solidFill>
                     <a:srgbClr val="000000"/>
                   </a:solidFill>
@@ -1378,7 +1378,7 @@
             </a:ln>
             <a:extLst>
               <a:ext uri="{91240B29-F687-4f45-9708-019B960494DF}">
-                <a14:hiddenLine xmlns="" xmlns:a14="http://schemas.microsoft.com/office/drawing/2010/main" w="9525">
+                <a14:hiddenLine xmlns:a14="http://schemas.microsoft.com/office/drawing/2010/main" xmlns="" w="9525">
                   <a:solidFill>
                     <a:srgbClr val="000000"/>
                   </a:solidFill>
@@ -1468,7 +1468,7 @@
             </a:ln>
             <a:extLst>
               <a:ext uri="{91240B29-F687-4f45-9708-019B960494DF}">
-                <a14:hiddenLine xmlns="" xmlns:a14="http://schemas.microsoft.com/office/drawing/2010/main" w="9525">
+                <a14:hiddenLine xmlns:a14="http://schemas.microsoft.com/office/drawing/2010/main" xmlns="" w="9525">
                   <a:solidFill>
                     <a:srgbClr val="000000"/>
                   </a:solidFill>
@@ -1530,7 +1530,7 @@
             </a:ln>
             <a:extLst>
               <a:ext uri="{91240B29-F687-4f45-9708-019B960494DF}">
-                <a14:hiddenLine xmlns="" xmlns:a14="http://schemas.microsoft.com/office/drawing/2010/main" w="9525">
+                <a14:hiddenLine xmlns:a14="http://schemas.microsoft.com/office/drawing/2010/main" xmlns="" w="9525">
                   <a:solidFill>
                     <a:srgbClr val="000000"/>
                   </a:solidFill>
@@ -1620,7 +1620,7 @@
             </a:ln>
             <a:extLst>
               <a:ext uri="{91240B29-F687-4f45-9708-019B960494DF}">
-                <a14:hiddenLine xmlns="" xmlns:a14="http://schemas.microsoft.com/office/drawing/2010/main" w="9525">
+                <a14:hiddenLine xmlns:a14="http://schemas.microsoft.com/office/drawing/2010/main" xmlns="" w="9525">
                   <a:solidFill>
                     <a:srgbClr val="000000"/>
                   </a:solidFill>
@@ -1710,7 +1710,7 @@
             </a:ln>
             <a:extLst>
               <a:ext uri="{91240B29-F687-4f45-9708-019B960494DF}">
-                <a14:hiddenLine xmlns="" xmlns:a14="http://schemas.microsoft.com/office/drawing/2010/main" w="9525">
+                <a14:hiddenLine xmlns:a14="http://schemas.microsoft.com/office/drawing/2010/main" xmlns="" w="9525">
                   <a:solidFill>
                     <a:srgbClr val="000000"/>
                   </a:solidFill>
@@ -1766,7 +1766,7 @@
             </a:ln>
             <a:extLst>
               <a:ext uri="{91240B29-F687-4f45-9708-019B960494DF}">
-                <a14:hiddenLine xmlns="" xmlns:a14="http://schemas.microsoft.com/office/drawing/2010/main" w="9525">
+                <a14:hiddenLine xmlns:a14="http://schemas.microsoft.com/office/drawing/2010/main" xmlns="" w="9525">
                   <a:solidFill>
                     <a:srgbClr val="000000"/>
                   </a:solidFill>
@@ -1856,7 +1856,7 @@
             </a:ln>
             <a:extLst>
               <a:ext uri="{91240B29-F687-4f45-9708-019B960494DF}">
-                <a14:hiddenLine xmlns="" xmlns:a14="http://schemas.microsoft.com/office/drawing/2010/main" w="9525">
+                <a14:hiddenLine xmlns:a14="http://schemas.microsoft.com/office/drawing/2010/main" xmlns="" w="9525">
                   <a:solidFill>
                     <a:srgbClr val="000000"/>
                   </a:solidFill>
@@ -1912,7 +1912,7 @@
             </a:ln>
             <a:extLst>
               <a:ext uri="{91240B29-F687-4f45-9708-019B960494DF}">
-                <a14:hiddenLine xmlns="" xmlns:a14="http://schemas.microsoft.com/office/drawing/2010/main" w="9525">
+                <a14:hiddenLine xmlns:a14="http://schemas.microsoft.com/office/drawing/2010/main" xmlns="" w="9525">
                   <a:solidFill>
                     <a:srgbClr val="000000"/>
                   </a:solidFill>
@@ -2002,7 +2002,7 @@
             </a:ln>
             <a:extLst>
               <a:ext uri="{91240B29-F687-4f45-9708-019B960494DF}">
-                <a14:hiddenLine xmlns="" xmlns:a14="http://schemas.microsoft.com/office/drawing/2010/main" w="9525">
+                <a14:hiddenLine xmlns:a14="http://schemas.microsoft.com/office/drawing/2010/main" xmlns="" w="9525">
                   <a:solidFill>
                     <a:srgbClr val="000000"/>
                   </a:solidFill>
@@ -2070,7 +2070,7 @@
             </a:ln>
             <a:extLst>
               <a:ext uri="{91240B29-F687-4f45-9708-019B960494DF}">
-                <a14:hiddenLine xmlns="" xmlns:a14="http://schemas.microsoft.com/office/drawing/2010/main" w="9525">
+                <a14:hiddenLine xmlns:a14="http://schemas.microsoft.com/office/drawing/2010/main" xmlns="" w="9525">
                   <a:solidFill>
                     <a:srgbClr val="000000"/>
                   </a:solidFill>
@@ -2160,7 +2160,7 @@
             </a:ln>
             <a:extLst>
               <a:ext uri="{91240B29-F687-4f45-9708-019B960494DF}">
-                <a14:hiddenLine xmlns="" xmlns:a14="http://schemas.microsoft.com/office/drawing/2010/main" w="9525">
+                <a14:hiddenLine xmlns:a14="http://schemas.microsoft.com/office/drawing/2010/main" xmlns="" w="9525">
                   <a:solidFill>
                     <a:srgbClr val="000000"/>
                   </a:solidFill>
@@ -2228,7 +2228,7 @@
             </a:ln>
             <a:extLst>
               <a:ext uri="{91240B29-F687-4f45-9708-019B960494DF}">
-                <a14:hiddenLine xmlns="" xmlns:a14="http://schemas.microsoft.com/office/drawing/2010/main" w="9525">
+                <a14:hiddenLine xmlns:a14="http://schemas.microsoft.com/office/drawing/2010/main" xmlns="" w="9525">
                   <a:solidFill>
                     <a:srgbClr val="000000"/>
                   </a:solidFill>
@@ -2318,7 +2318,7 @@
             </a:ln>
             <a:extLst>
               <a:ext uri="{91240B29-F687-4f45-9708-019B960494DF}">
-                <a14:hiddenLine xmlns="" xmlns:a14="http://schemas.microsoft.com/office/drawing/2010/main" w="9525">
+                <a14:hiddenLine xmlns:a14="http://schemas.microsoft.com/office/drawing/2010/main" xmlns="" w="9525">
                   <a:solidFill>
                     <a:srgbClr val="000000"/>
                   </a:solidFill>
@@ -2352,7 +2352,7 @@
             </a:ln>
             <a:extLst>
               <a:ext uri="{91240B29-F687-4f45-9708-019B960494DF}">
-                <a14:hiddenLine xmlns="" xmlns:a14="http://schemas.microsoft.com/office/drawing/2010/main" w="9525">
+                <a14:hiddenLine xmlns:a14="http://schemas.microsoft.com/office/drawing/2010/main" xmlns="" w="9525">
                   <a:solidFill>
                     <a:srgbClr val="000000"/>
                   </a:solidFill>
@@ -2442,7 +2442,7 @@
             </a:ln>
             <a:extLst>
               <a:ext uri="{91240B29-F687-4f45-9708-019B960494DF}">
-                <a14:hiddenLine xmlns="" xmlns:a14="http://schemas.microsoft.com/office/drawing/2010/main" w="9525">
+                <a14:hiddenLine xmlns:a14="http://schemas.microsoft.com/office/drawing/2010/main" xmlns="" w="9525">
                   <a:solidFill>
                     <a:srgbClr val="000000"/>
                   </a:solidFill>
@@ -2504,7 +2504,7 @@
             </a:ln>
             <a:extLst>
               <a:ext uri="{91240B29-F687-4f45-9708-019B960494DF}">
-                <a14:hiddenLine xmlns="" xmlns:a14="http://schemas.microsoft.com/office/drawing/2010/main" w="9525">
+                <a14:hiddenLine xmlns:a14="http://schemas.microsoft.com/office/drawing/2010/main" xmlns="" w="9525">
                   <a:solidFill>
                     <a:srgbClr val="000000"/>
                   </a:solidFill>
@@ -2566,7 +2566,7 @@
             </a:ln>
             <a:extLst>
               <a:ext uri="{91240B29-F687-4f45-9708-019B960494DF}">
-                <a14:hiddenLine xmlns="" xmlns:a14="http://schemas.microsoft.com/office/drawing/2010/main" w="9525">
+                <a14:hiddenLine xmlns:a14="http://schemas.microsoft.com/office/drawing/2010/main" xmlns="" w="9525">
                   <a:solidFill>
                     <a:srgbClr val="000000"/>
                   </a:solidFill>
@@ -2656,7 +2656,7 @@
             </a:ln>
             <a:extLst>
               <a:ext uri="{91240B29-F687-4f45-9708-019B960494DF}">
-                <a14:hiddenLine xmlns="" xmlns:a14="http://schemas.microsoft.com/office/drawing/2010/main" w="9525">
+                <a14:hiddenLine xmlns:a14="http://schemas.microsoft.com/office/drawing/2010/main" xmlns="" w="9525">
                   <a:solidFill>
                     <a:srgbClr val="000000"/>
                   </a:solidFill>
@@ -2724,7 +2724,7 @@
             </a:ln>
             <a:extLst>
               <a:ext uri="{91240B29-F687-4f45-9708-019B960494DF}">
-                <a14:hiddenLine xmlns="" xmlns:a14="http://schemas.microsoft.com/office/drawing/2010/main" w="9525">
+                <a14:hiddenLine xmlns:a14="http://schemas.microsoft.com/office/drawing/2010/main" xmlns="" w="9525">
                   <a:solidFill>
                     <a:srgbClr val="000000"/>
                   </a:solidFill>
@@ -2786,7 +2786,7 @@
             </a:ln>
             <a:extLst>
               <a:ext uri="{91240B29-F687-4f45-9708-019B960494DF}">
-                <a14:hiddenLine xmlns="" xmlns:a14="http://schemas.microsoft.com/office/drawing/2010/main" w="9525">
+                <a14:hiddenLine xmlns:a14="http://schemas.microsoft.com/office/drawing/2010/main" xmlns="" w="9525">
                   <a:solidFill>
                     <a:srgbClr val="000000"/>
                   </a:solidFill>
@@ -2876,7 +2876,7 @@
             </a:ln>
             <a:extLst>
               <a:ext uri="{91240B29-F687-4f45-9708-019B960494DF}">
-                <a14:hiddenLine xmlns="" xmlns:a14="http://schemas.microsoft.com/office/drawing/2010/main" w="9525">
+                <a14:hiddenLine xmlns:a14="http://schemas.microsoft.com/office/drawing/2010/main" xmlns="" w="9525">
                   <a:solidFill>
                     <a:srgbClr val="000000"/>
                   </a:solidFill>
@@ -2938,7 +2938,7 @@
             </a:ln>
             <a:extLst>
               <a:ext uri="{91240B29-F687-4f45-9708-019B960494DF}">
-                <a14:hiddenLine xmlns="" xmlns:a14="http://schemas.microsoft.com/office/drawing/2010/main" w="9525">
+                <a14:hiddenLine xmlns:a14="http://schemas.microsoft.com/office/drawing/2010/main" xmlns="" w="9525">
                   <a:solidFill>
                     <a:srgbClr val="000000"/>
                   </a:solidFill>
@@ -3028,7 +3028,7 @@
             </a:ln>
             <a:extLst>
               <a:ext uri="{91240B29-F687-4f45-9708-019B960494DF}">
-                <a14:hiddenLine xmlns="" xmlns:a14="http://schemas.microsoft.com/office/drawing/2010/main" w="9525">
+                <a14:hiddenLine xmlns:a14="http://schemas.microsoft.com/office/drawing/2010/main" xmlns="" w="9525">
                   <a:solidFill>
                     <a:srgbClr val="000000"/>
                   </a:solidFill>
@@ -3090,7 +3090,7 @@
             </a:ln>
             <a:extLst>
               <a:ext uri="{91240B29-F687-4f45-9708-019B960494DF}">
-                <a14:hiddenLine xmlns="" xmlns:a14="http://schemas.microsoft.com/office/drawing/2010/main" w="9525">
+                <a14:hiddenLine xmlns:a14="http://schemas.microsoft.com/office/drawing/2010/main" xmlns="" w="9525">
                   <a:solidFill>
                     <a:srgbClr val="000000"/>
                   </a:solidFill>
@@ -3180,7 +3180,7 @@
             </a:ln>
             <a:extLst>
               <a:ext uri="{91240B29-F687-4f45-9708-019B960494DF}">
-                <a14:hiddenLine xmlns="" xmlns:a14="http://schemas.microsoft.com/office/drawing/2010/main" w="9525">
+                <a14:hiddenLine xmlns:a14="http://schemas.microsoft.com/office/drawing/2010/main" xmlns="" w="9525">
                   <a:solidFill>
                     <a:srgbClr val="000000"/>
                   </a:solidFill>
@@ -3214,7 +3214,7 @@
             </a:ln>
             <a:extLst>
               <a:ext uri="{91240B29-F687-4f45-9708-019B960494DF}">
-                <a14:hiddenLine xmlns="" xmlns:a14="http://schemas.microsoft.com/office/drawing/2010/main" w="9525">
+                <a14:hiddenLine xmlns:a14="http://schemas.microsoft.com/office/drawing/2010/main" xmlns="" w="9525">
                   <a:solidFill>
                     <a:srgbClr val="000000"/>
                   </a:solidFill>
@@ -3279,7 +3279,7 @@
             </a:ln>
             <a:extLst>
               <a:ext uri="{91240B29-F687-4f45-9708-019B960494DF}">
-                <a14:hiddenLine xmlns="" xmlns:a14="http://schemas.microsoft.com/office/drawing/2010/main" w="9525">
+                <a14:hiddenLine xmlns:a14="http://schemas.microsoft.com/office/drawing/2010/main" xmlns="" w="9525">
                   <a:solidFill>
                     <a:srgbClr val="000000"/>
                   </a:solidFill>
@@ -3369,7 +3369,7 @@
             </a:ln>
             <a:extLst>
               <a:ext uri="{91240B29-F687-4f45-9708-019B960494DF}">
-                <a14:hiddenLine xmlns="" xmlns:a14="http://schemas.microsoft.com/office/drawing/2010/main" w="9525">
+                <a14:hiddenLine xmlns:a14="http://schemas.microsoft.com/office/drawing/2010/main" xmlns="" w="9525">
                   <a:solidFill>
                     <a:srgbClr val="000000"/>
                   </a:solidFill>
@@ -3431,7 +3431,7 @@
             </a:ln>
             <a:extLst>
               <a:ext uri="{91240B29-F687-4f45-9708-019B960494DF}">
-                <a14:hiddenLine xmlns="" xmlns:a14="http://schemas.microsoft.com/office/drawing/2010/main" w="9525">
+                <a14:hiddenLine xmlns:a14="http://schemas.microsoft.com/office/drawing/2010/main" xmlns="" w="9525">
                   <a:solidFill>
                     <a:srgbClr val="000000"/>
                   </a:solidFill>
@@ -3521,7 +3521,7 @@
             </a:ln>
             <a:extLst>
               <a:ext uri="{91240B29-F687-4f45-9708-019B960494DF}">
-                <a14:hiddenLine xmlns="" xmlns:a14="http://schemas.microsoft.com/office/drawing/2010/main" w="9525">
+                <a14:hiddenLine xmlns:a14="http://schemas.microsoft.com/office/drawing/2010/main" xmlns="" w="9525">
                   <a:solidFill>
                     <a:srgbClr val="000000"/>
                   </a:solidFill>
@@ -3611,7 +3611,7 @@
             </a:ln>
             <a:extLst>
               <a:ext uri="{91240B29-F687-4f45-9708-019B960494DF}">
-                <a14:hiddenLine xmlns="" xmlns:a14="http://schemas.microsoft.com/office/drawing/2010/main" w="9525">
+                <a14:hiddenLine xmlns:a14="http://schemas.microsoft.com/office/drawing/2010/main" xmlns="" w="9525">
                   <a:solidFill>
                     <a:srgbClr val="000000"/>
                   </a:solidFill>
@@ -3676,7 +3676,7 @@
             </a:ln>
             <a:extLst>
               <a:ext uri="{91240B29-F687-4f45-9708-019B960494DF}">
-                <a14:hiddenLine xmlns="" xmlns:a14="http://schemas.microsoft.com/office/drawing/2010/main" w="9525">
+                <a14:hiddenLine xmlns:a14="http://schemas.microsoft.com/office/drawing/2010/main" xmlns="" w="9525">
                   <a:solidFill>
                     <a:srgbClr val="000000"/>
                   </a:solidFill>
@@ -3738,7 +3738,7 @@
             </a:ln>
             <a:extLst>
               <a:ext uri="{91240B29-F687-4f45-9708-019B960494DF}">
-                <a14:hiddenLine xmlns="" xmlns:a14="http://schemas.microsoft.com/office/drawing/2010/main" w="9525">
+                <a14:hiddenLine xmlns:a14="http://schemas.microsoft.com/office/drawing/2010/main" xmlns="" w="9525">
                   <a:solidFill>
                     <a:srgbClr val="000000"/>
                   </a:solidFill>
@@ -3828,7 +3828,7 @@
             </a:ln>
             <a:extLst>
               <a:ext uri="{91240B29-F687-4f45-9708-019B960494DF}">
-                <a14:hiddenLine xmlns="" xmlns:a14="http://schemas.microsoft.com/office/drawing/2010/main" w="9525">
+                <a14:hiddenLine xmlns:a14="http://schemas.microsoft.com/office/drawing/2010/main" xmlns="" w="9525">
                   <a:solidFill>
                     <a:srgbClr val="000000"/>
                   </a:solidFill>
@@ -3918,7 +3918,7 @@
             </a:ln>
             <a:extLst>
               <a:ext uri="{91240B29-F687-4f45-9708-019B960494DF}">
-                <a14:hiddenLine xmlns="" xmlns:a14="http://schemas.microsoft.com/office/drawing/2010/main" w="9525">
+                <a14:hiddenLine xmlns:a14="http://schemas.microsoft.com/office/drawing/2010/main" xmlns="" w="9525">
                   <a:solidFill>
                     <a:srgbClr val="000000"/>
                   </a:solidFill>
@@ -3980,7 +3980,7 @@
             </a:ln>
             <a:extLst>
               <a:ext uri="{91240B29-F687-4f45-9708-019B960494DF}">
-                <a14:hiddenLine xmlns="" xmlns:a14="http://schemas.microsoft.com/office/drawing/2010/main" w="9525">
+                <a14:hiddenLine xmlns:a14="http://schemas.microsoft.com/office/drawing/2010/main" xmlns="" w="9525">
                   <a:solidFill>
                     <a:srgbClr val="000000"/>
                   </a:solidFill>
@@ -4100,7 +4100,7 @@
             </a:ln>
             <a:extLst>
               <a:ext uri="{91240B29-F687-4f45-9708-019B960494DF}">
-                <a14:hiddenLine xmlns="" xmlns:a14="http://schemas.microsoft.com/office/drawing/2010/main" w="9525">
+                <a14:hiddenLine xmlns:a14="http://schemas.microsoft.com/office/drawing/2010/main" xmlns="" w="9525">
                   <a:solidFill>
                     <a:srgbClr val="000000"/>
                   </a:solidFill>
@@ -4168,7 +4168,7 @@
             </a:ln>
             <a:extLst>
               <a:ext uri="{91240B29-F687-4f45-9708-019B960494DF}">
-                <a14:hiddenLine xmlns="" xmlns:a14="http://schemas.microsoft.com/office/drawing/2010/main" w="9525">
+                <a14:hiddenLine xmlns:a14="http://schemas.microsoft.com/office/drawing/2010/main" xmlns="" w="9525">
                   <a:solidFill>
                     <a:srgbClr val="000000"/>
                   </a:solidFill>
@@ -4258,7 +4258,7 @@
             </a:ln>
             <a:extLst>
               <a:ext uri="{91240B29-F687-4f45-9708-019B960494DF}">
-                <a14:hiddenLine xmlns="" xmlns:a14="http://schemas.microsoft.com/office/drawing/2010/main" w="9525">
+                <a14:hiddenLine xmlns:a14="http://schemas.microsoft.com/office/drawing/2010/main" xmlns="" w="9525">
                   <a:solidFill>
                     <a:srgbClr val="000000"/>
                   </a:solidFill>
@@ -13942,7 +13942,7 @@
           <a:noFill/>
           <a:extLst>
             <a:ext uri="{909E8E84-426E-40dd-AFC4-6F175D3DCCD1}">
-              <a14:hiddenFill xmlns="" xmlns:a14="http://schemas.microsoft.com/office/drawing/2010/main">
+              <a14:hiddenFill xmlns:a14="http://schemas.microsoft.com/office/drawing/2010/main" xmlns="">
                 <a:solidFill>
                   <a:srgbClr val="FFFFFF"/>
                 </a:solidFill>
@@ -14016,7 +14016,7 @@
               </a:ln>
               <a:extLst>
                 <a:ext uri="{91240B29-F687-4f45-9708-019B960494DF}">
-                  <a14:hiddenLine xmlns="" xmlns:a14="http://schemas.microsoft.com/office/drawing/2010/main" w="9525">
+                  <a14:hiddenLine xmlns:a14="http://schemas.microsoft.com/office/drawing/2010/main" xmlns="" w="9525">
                     <a:solidFill>
                       <a:srgbClr val="000000"/>
                     </a:solidFill>
@@ -14106,7 +14106,7 @@
               </a:ln>
               <a:extLst>
                 <a:ext uri="{91240B29-F687-4f45-9708-019B960494DF}">
-                  <a14:hiddenLine xmlns="" xmlns:a14="http://schemas.microsoft.com/office/drawing/2010/main" w="9525">
+                  <a14:hiddenLine xmlns:a14="http://schemas.microsoft.com/office/drawing/2010/main" xmlns="" w="9525">
                     <a:solidFill>
                       <a:srgbClr val="000000"/>
                     </a:solidFill>
@@ -14196,7 +14196,7 @@
               </a:ln>
               <a:extLst>
                 <a:ext uri="{91240B29-F687-4f45-9708-019B960494DF}">
-                  <a14:hiddenLine xmlns="" xmlns:a14="http://schemas.microsoft.com/office/drawing/2010/main" w="9525">
+                  <a14:hiddenLine xmlns:a14="http://schemas.microsoft.com/office/drawing/2010/main" xmlns="" w="9525">
                     <a:solidFill>
                       <a:srgbClr val="000000"/>
                     </a:solidFill>
@@ -14258,7 +14258,7 @@
               </a:ln>
               <a:extLst>
                 <a:ext uri="{91240B29-F687-4f45-9708-019B960494DF}">
-                  <a14:hiddenLine xmlns="" xmlns:a14="http://schemas.microsoft.com/office/drawing/2010/main" w="9525">
+                  <a14:hiddenLine xmlns:a14="http://schemas.microsoft.com/office/drawing/2010/main" xmlns="" w="9525">
                     <a:solidFill>
                       <a:srgbClr val="000000"/>
                     </a:solidFill>
@@ -14348,7 +14348,7 @@
               </a:ln>
               <a:extLst>
                 <a:ext uri="{91240B29-F687-4f45-9708-019B960494DF}">
-                  <a14:hiddenLine xmlns="" xmlns:a14="http://schemas.microsoft.com/office/drawing/2010/main" w="9525">
+                  <a14:hiddenLine xmlns:a14="http://schemas.microsoft.com/office/drawing/2010/main" xmlns="" w="9525">
                     <a:solidFill>
                       <a:srgbClr val="000000"/>
                     </a:solidFill>
@@ -14410,7 +14410,7 @@
               </a:ln>
               <a:extLst>
                 <a:ext uri="{91240B29-F687-4f45-9708-019B960494DF}">
-                  <a14:hiddenLine xmlns="" xmlns:a14="http://schemas.microsoft.com/office/drawing/2010/main" w="9525">
+                  <a14:hiddenLine xmlns:a14="http://schemas.microsoft.com/office/drawing/2010/main" xmlns="" w="9525">
                     <a:solidFill>
                       <a:srgbClr val="000000"/>
                     </a:solidFill>
@@ -14472,7 +14472,7 @@
               </a:ln>
               <a:extLst>
                 <a:ext uri="{91240B29-F687-4f45-9708-019B960494DF}">
-                  <a14:hiddenLine xmlns="" xmlns:a14="http://schemas.microsoft.com/office/drawing/2010/main" w="9525">
+                  <a14:hiddenLine xmlns:a14="http://schemas.microsoft.com/office/drawing/2010/main" xmlns="" w="9525">
                     <a:solidFill>
                       <a:srgbClr val="000000"/>
                     </a:solidFill>
@@ -14562,7 +14562,7 @@
               </a:ln>
               <a:extLst>
                 <a:ext uri="{91240B29-F687-4f45-9708-019B960494DF}">
-                  <a14:hiddenLine xmlns="" xmlns:a14="http://schemas.microsoft.com/office/drawing/2010/main" w="9525">
+                  <a14:hiddenLine xmlns:a14="http://schemas.microsoft.com/office/drawing/2010/main" xmlns="" w="9525">
                     <a:solidFill>
                       <a:srgbClr val="000000"/>
                     </a:solidFill>
@@ -14652,7 +14652,7 @@
               </a:ln>
               <a:extLst>
                 <a:ext uri="{91240B29-F687-4f45-9708-019B960494DF}">
-                  <a14:hiddenLine xmlns="" xmlns:a14="http://schemas.microsoft.com/office/drawing/2010/main" w="9525">
+                  <a14:hiddenLine xmlns:a14="http://schemas.microsoft.com/office/drawing/2010/main" xmlns="" w="9525">
                     <a:solidFill>
                       <a:srgbClr val="000000"/>
                     </a:solidFill>
@@ -14714,7 +14714,7 @@
               </a:ln>
               <a:extLst>
                 <a:ext uri="{91240B29-F687-4f45-9708-019B960494DF}">
-                  <a14:hiddenLine xmlns="" xmlns:a14="http://schemas.microsoft.com/office/drawing/2010/main" w="9525">
+                  <a14:hiddenLine xmlns:a14="http://schemas.microsoft.com/office/drawing/2010/main" xmlns="" w="9525">
                     <a:solidFill>
                       <a:srgbClr val="000000"/>
                     </a:solidFill>
@@ -14824,7 +14824,7 @@
               </a:ln>
               <a:extLst>
                 <a:ext uri="{91240B29-F687-4f45-9708-019B960494DF}">
-                  <a14:hiddenLine xmlns="" xmlns:a14="http://schemas.microsoft.com/office/drawing/2010/main" w="9525">
+                  <a14:hiddenLine xmlns:a14="http://schemas.microsoft.com/office/drawing/2010/main" xmlns="" w="9525">
                     <a:solidFill>
                       <a:srgbClr val="000000"/>
                     </a:solidFill>
@@ -14908,7 +14908,7 @@
               </a:ln>
               <a:extLst>
                 <a:ext uri="{91240B29-F687-4f45-9708-019B960494DF}">
-                  <a14:hiddenLine xmlns="" xmlns:a14="http://schemas.microsoft.com/office/drawing/2010/main" w="9525">
+                  <a14:hiddenLine xmlns:a14="http://schemas.microsoft.com/office/drawing/2010/main" xmlns="" w="9525">
                     <a:solidFill>
                       <a:srgbClr val="000000"/>
                     </a:solidFill>
@@ -14970,7 +14970,7 @@
               </a:ln>
               <a:extLst>
                 <a:ext uri="{91240B29-F687-4f45-9708-019B960494DF}">
-                  <a14:hiddenLine xmlns="" xmlns:a14="http://schemas.microsoft.com/office/drawing/2010/main" w="9525">
+                  <a14:hiddenLine xmlns:a14="http://schemas.microsoft.com/office/drawing/2010/main" xmlns="" w="9525">
                     <a:solidFill>
                       <a:srgbClr val="000000"/>
                     </a:solidFill>
@@ -15032,7 +15032,7 @@
               </a:ln>
               <a:extLst>
                 <a:ext uri="{91240B29-F687-4f45-9708-019B960494DF}">
-                  <a14:hiddenLine xmlns="" xmlns:a14="http://schemas.microsoft.com/office/drawing/2010/main" w="9525">
+                  <a14:hiddenLine xmlns:a14="http://schemas.microsoft.com/office/drawing/2010/main" xmlns="" w="9525">
                     <a:solidFill>
                       <a:srgbClr val="000000"/>
                     </a:solidFill>
@@ -15122,7 +15122,7 @@
               </a:ln>
               <a:extLst>
                 <a:ext uri="{91240B29-F687-4f45-9708-019B960494DF}">
-                  <a14:hiddenLine xmlns="" xmlns:a14="http://schemas.microsoft.com/office/drawing/2010/main" w="9525">
+                  <a14:hiddenLine xmlns:a14="http://schemas.microsoft.com/office/drawing/2010/main" xmlns="" w="9525">
                     <a:solidFill>
                       <a:srgbClr val="000000"/>
                     </a:solidFill>
@@ -15156,7 +15156,7 @@
               </a:ln>
               <a:extLst>
                 <a:ext uri="{91240B29-F687-4f45-9708-019B960494DF}">
-                  <a14:hiddenLine xmlns="" xmlns:a14="http://schemas.microsoft.com/office/drawing/2010/main" w="9525">
+                  <a14:hiddenLine xmlns:a14="http://schemas.microsoft.com/office/drawing/2010/main" xmlns="" w="9525">
                     <a:solidFill>
                       <a:srgbClr val="000000"/>
                     </a:solidFill>
@@ -15221,7 +15221,7 @@
               </a:ln>
               <a:extLst>
                 <a:ext uri="{91240B29-F687-4f45-9708-019B960494DF}">
-                  <a14:hiddenLine xmlns="" xmlns:a14="http://schemas.microsoft.com/office/drawing/2010/main" w="9525">
+                  <a14:hiddenLine xmlns:a14="http://schemas.microsoft.com/office/drawing/2010/main" xmlns="" w="9525">
                     <a:solidFill>
                       <a:srgbClr val="000000"/>
                     </a:solidFill>
@@ -15311,7 +15311,7 @@
               </a:ln>
               <a:extLst>
                 <a:ext uri="{91240B29-F687-4f45-9708-019B960494DF}">
-                  <a14:hiddenLine xmlns="" xmlns:a14="http://schemas.microsoft.com/office/drawing/2010/main" w="9525">
+                  <a14:hiddenLine xmlns:a14="http://schemas.microsoft.com/office/drawing/2010/main" xmlns="" w="9525">
                     <a:solidFill>
                       <a:srgbClr val="000000"/>
                     </a:solidFill>
@@ -15373,7 +15373,7 @@
               </a:ln>
               <a:extLst>
                 <a:ext uri="{91240B29-F687-4f45-9708-019B960494DF}">
-                  <a14:hiddenLine xmlns="" xmlns:a14="http://schemas.microsoft.com/office/drawing/2010/main" w="9525">
+                  <a14:hiddenLine xmlns:a14="http://schemas.microsoft.com/office/drawing/2010/main" xmlns="" w="9525">
                     <a:solidFill>
                       <a:srgbClr val="000000"/>
                     </a:solidFill>
@@ -15463,7 +15463,7 @@
               </a:ln>
               <a:extLst>
                 <a:ext uri="{91240B29-F687-4f45-9708-019B960494DF}">
-                  <a14:hiddenLine xmlns="" xmlns:a14="http://schemas.microsoft.com/office/drawing/2010/main" w="9525">
+                  <a14:hiddenLine xmlns:a14="http://schemas.microsoft.com/office/drawing/2010/main" xmlns="" w="9525">
                     <a:solidFill>
                       <a:srgbClr val="000000"/>
                     </a:solidFill>
@@ -15528,7 +15528,7 @@
               </a:ln>
               <a:extLst>
                 <a:ext uri="{91240B29-F687-4f45-9708-019B960494DF}">
-                  <a14:hiddenLine xmlns="" xmlns:a14="http://schemas.microsoft.com/office/drawing/2010/main" w="9525">
+                  <a14:hiddenLine xmlns:a14="http://schemas.microsoft.com/office/drawing/2010/main" xmlns="" w="9525">
                     <a:solidFill>
                       <a:srgbClr val="000000"/>
                     </a:solidFill>
@@ -15590,7 +15590,7 @@
               </a:ln>
               <a:extLst>
                 <a:ext uri="{91240B29-F687-4f45-9708-019B960494DF}">
-                  <a14:hiddenLine xmlns="" xmlns:a14="http://schemas.microsoft.com/office/drawing/2010/main" w="9525">
+                  <a14:hiddenLine xmlns:a14="http://schemas.microsoft.com/office/drawing/2010/main" xmlns="" w="9525">
                     <a:solidFill>
                       <a:srgbClr val="000000"/>
                     </a:solidFill>
@@ -15680,7 +15680,7 @@
               </a:ln>
               <a:extLst>
                 <a:ext uri="{91240B29-F687-4f45-9708-019B960494DF}">
-                  <a14:hiddenLine xmlns="" xmlns:a14="http://schemas.microsoft.com/office/drawing/2010/main" w="9525">
+                  <a14:hiddenLine xmlns:a14="http://schemas.microsoft.com/office/drawing/2010/main" xmlns="" w="9525">
                     <a:solidFill>
                       <a:srgbClr val="000000"/>
                     </a:solidFill>
@@ -15770,7 +15770,7 @@
               </a:ln>
               <a:extLst>
                 <a:ext uri="{91240B29-F687-4f45-9708-019B960494DF}">
-                  <a14:hiddenLine xmlns="" xmlns:a14="http://schemas.microsoft.com/office/drawing/2010/main" w="9525">
+                  <a14:hiddenLine xmlns:a14="http://schemas.microsoft.com/office/drawing/2010/main" xmlns="" w="9525">
                     <a:solidFill>
                       <a:srgbClr val="000000"/>
                     </a:solidFill>
@@ -15835,7 +15835,7 @@
               </a:ln>
               <a:extLst>
                 <a:ext uri="{91240B29-F687-4f45-9708-019B960494DF}">
-                  <a14:hiddenLine xmlns="" xmlns:a14="http://schemas.microsoft.com/office/drawing/2010/main" w="9525">
+                  <a14:hiddenLine xmlns:a14="http://schemas.microsoft.com/office/drawing/2010/main" xmlns="" w="9525">
                     <a:solidFill>
                       <a:srgbClr val="000000"/>
                     </a:solidFill>
@@ -15955,7 +15955,7 @@
               </a:ln>
               <a:extLst>
                 <a:ext uri="{91240B29-F687-4f45-9708-019B960494DF}">
-                  <a14:hiddenLine xmlns="" xmlns:a14="http://schemas.microsoft.com/office/drawing/2010/main" w="9525">
+                  <a14:hiddenLine xmlns:a14="http://schemas.microsoft.com/office/drawing/2010/main" xmlns="" w="9525">
                     <a:solidFill>
                       <a:srgbClr val="000000"/>
                     </a:solidFill>
@@ -16053,7 +16053,7 @@
               </a:ln>
               <a:extLst>
                 <a:ext uri="{91240B29-F687-4f45-9708-019B960494DF}">
-                  <a14:hiddenLine xmlns="" xmlns:a14="http://schemas.microsoft.com/office/drawing/2010/main" w="9525">
+                  <a14:hiddenLine xmlns:a14="http://schemas.microsoft.com/office/drawing/2010/main" xmlns="" w="9525">
                     <a:solidFill>
                       <a:srgbClr val="000000"/>
                     </a:solidFill>
@@ -16168,7 +16168,7 @@
               </a:ln>
               <a:extLst>
                 <a:ext uri="{91240B29-F687-4f45-9708-019B960494DF}">
-                  <a14:hiddenLine xmlns="" xmlns:a14="http://schemas.microsoft.com/office/drawing/2010/main" w="9525">
+                  <a14:hiddenLine xmlns:a14="http://schemas.microsoft.com/office/drawing/2010/main" xmlns="" w="9525">
                     <a:solidFill>
                       <a:srgbClr val="000000"/>
                     </a:solidFill>
@@ -16258,7 +16258,7 @@
               </a:ln>
               <a:extLst>
                 <a:ext uri="{91240B29-F687-4f45-9708-019B960494DF}">
-                  <a14:hiddenLine xmlns="" xmlns:a14="http://schemas.microsoft.com/office/drawing/2010/main" w="9525">
+                  <a14:hiddenLine xmlns:a14="http://schemas.microsoft.com/office/drawing/2010/main" xmlns="" w="9525">
                     <a:solidFill>
                       <a:srgbClr val="000000"/>
                     </a:solidFill>
@@ -16323,7 +16323,7 @@
               </a:ln>
               <a:extLst>
                 <a:ext uri="{91240B29-F687-4f45-9708-019B960494DF}">
-                  <a14:hiddenLine xmlns="" xmlns:a14="http://schemas.microsoft.com/office/drawing/2010/main" w="9525">
+                  <a14:hiddenLine xmlns:a14="http://schemas.microsoft.com/office/drawing/2010/main" xmlns="" w="9525">
                     <a:solidFill>
                       <a:srgbClr val="000000"/>
                     </a:solidFill>
@@ -16413,7 +16413,7 @@
               </a:ln>
               <a:extLst>
                 <a:ext uri="{91240B29-F687-4f45-9708-019B960494DF}">
-                  <a14:hiddenLine xmlns="" xmlns:a14="http://schemas.microsoft.com/office/drawing/2010/main" w="9525">
+                  <a14:hiddenLine xmlns:a14="http://schemas.microsoft.com/office/drawing/2010/main" xmlns="" w="9525">
                     <a:solidFill>
                       <a:srgbClr val="000000"/>
                     </a:solidFill>
@@ -16481,7 +16481,7 @@
               </a:ln>
               <a:extLst>
                 <a:ext uri="{91240B29-F687-4f45-9708-019B960494DF}">
-                  <a14:hiddenLine xmlns="" xmlns:a14="http://schemas.microsoft.com/office/drawing/2010/main" w="9525">
+                  <a14:hiddenLine xmlns:a14="http://schemas.microsoft.com/office/drawing/2010/main" xmlns="" w="9525">
                     <a:solidFill>
                       <a:srgbClr val="000000"/>
                     </a:solidFill>
@@ -16571,7 +16571,7 @@
               </a:ln>
               <a:extLst>
                 <a:ext uri="{91240B29-F687-4f45-9708-019B960494DF}">
-                  <a14:hiddenLine xmlns="" xmlns:a14="http://schemas.microsoft.com/office/drawing/2010/main" w="9525">
+                  <a14:hiddenLine xmlns:a14="http://schemas.microsoft.com/office/drawing/2010/main" xmlns="" w="9525">
                     <a:solidFill>
                       <a:srgbClr val="000000"/>
                     </a:solidFill>
@@ -16639,7 +16639,7 @@
               </a:ln>
               <a:extLst>
                 <a:ext uri="{91240B29-F687-4f45-9708-019B960494DF}">
-                  <a14:hiddenLine xmlns="" xmlns:a14="http://schemas.microsoft.com/office/drawing/2010/main" w="9525">
+                  <a14:hiddenLine xmlns:a14="http://schemas.microsoft.com/office/drawing/2010/main" xmlns="" w="9525">
                     <a:solidFill>
                       <a:srgbClr val="000000"/>
                     </a:solidFill>
@@ -16729,7 +16729,7 @@
               </a:ln>
               <a:extLst>
                 <a:ext uri="{91240B29-F687-4f45-9708-019B960494DF}">
-                  <a14:hiddenLine xmlns="" xmlns:a14="http://schemas.microsoft.com/office/drawing/2010/main" w="9525">
+                  <a14:hiddenLine xmlns:a14="http://schemas.microsoft.com/office/drawing/2010/main" xmlns="" w="9525">
                     <a:solidFill>
                       <a:srgbClr val="000000"/>
                     </a:solidFill>
@@ -16763,7 +16763,7 @@
               </a:ln>
               <a:extLst>
                 <a:ext uri="{91240B29-F687-4f45-9708-019B960494DF}">
-                  <a14:hiddenLine xmlns="" xmlns:a14="http://schemas.microsoft.com/office/drawing/2010/main" w="9525">
+                  <a14:hiddenLine xmlns:a14="http://schemas.microsoft.com/office/drawing/2010/main" xmlns="" w="9525">
                     <a:solidFill>
                       <a:srgbClr val="000000"/>
                     </a:solidFill>
@@ -18090,7 +18090,7 @@
           </a:p>
           <a:p>
             <a:r>
-              <a:rPr lang="es-GT" sz="3200" dirty="0" smtClean="0">
+              <a:rPr lang="es-GT" sz="3200" smtClean="0">
                 <a:solidFill>
                   <a:schemeClr val="tx1">
                     <a:lumMod val="95000"/>
@@ -18361,23 +18361,8 @@
                 </a:solidFill>
                 <a:latin typeface="Tw Cen MT" panose="020B0602020104020603"/>
               </a:rPr>
-              <a:t>Al ejecutar el programa se desplegará </a:t>
-            </a:r>
-            <a:r>
-              <a:rPr lang="es-GT" sz="2400" b="1" dirty="0" smtClean="0">
-                <a:solidFill>
-                  <a:prstClr val="black"/>
-                </a:solidFill>
-                <a:latin typeface="Tw Cen MT" panose="020B0602020104020603"/>
-              </a:rPr>
-              <a:t>un menú de opciones, el cual es el menú principal. En donde hay diferentes botones y una caja de texto en la cual será visualizada la información cargada.</a:t>
-            </a:r>
-            <a:endParaRPr lang="es-GT" sz="2400" b="1" dirty="0" smtClean="0">
-              <a:solidFill>
-                <a:prstClr val="black"/>
-              </a:solidFill>
-              <a:latin typeface="Tw Cen MT" panose="020B0602020104020603"/>
-            </a:endParaRPr>
+              <a:t>Al ejecutar el programa se desplegará un menú de opciones, el cual es el menú principal. En donde hay diferentes botones y una caja de texto en la cual será visualizada la información cargada.</a:t>
+            </a:r>
           </a:p>
         </p:txBody>
       </p:sp>
@@ -18558,16 +18543,7 @@
                 </a:solidFill>
                 <a:latin typeface="Tw Cen MT" panose="020B0602020104020603"/>
               </a:rPr>
-              <a:t>En la opción guardar, usted podrá editar el archivo qu</a:t>
-            </a:r>
-            <a:r>
-              <a:rPr lang="es-GT" sz="2400" b="1" dirty="0" smtClean="0">
-                <a:solidFill>
-                  <a:prstClr val="black"/>
-                </a:solidFill>
-                <a:latin typeface="Tw Cen MT" panose="020B0602020104020603"/>
-              </a:rPr>
-              <a:t>e fue cargado. Y luego guardarlo nuevamente con la información ya editada.</a:t>
+              <a:t>En la opción guardar, usted podrá editar el archivo que fue cargado. Y luego guardarlo nuevamente con la información ya editada.</a:t>
             </a:r>
             <a:endParaRPr lang="es-GT" sz="2400" b="1" dirty="0">
               <a:solidFill>
